--- a/database/slides/HOLY_(MASS_OF_PEACE).pptx
+++ b/database/slides/HOLY_(MASS_OF_PEACE).pptx
@@ -15510,12 +15510,12 @@
               <a:buNone/>
             </a:pPr>
             <a:r>
-              <a:rPr lang="en-US" sz="3600" b="1" dirty="0">
+              <a:rPr lang="en-US" sz="4000" b="1" dirty="0">
                 <a:solidFill>
                   <a:schemeClr val="lt1"/>
                 </a:solidFill>
               </a:rPr>
-              <a:t>Holy, Holy, Holy, Holy Lord God of hosts</a:t>
+              <a:t>Holy, Holy, Holy, Lord God of hosts</a:t>
             </a:r>
           </a:p>
           <a:p>
@@ -15533,12 +15533,28 @@
               <a:buNone/>
             </a:pPr>
             <a:r>
-              <a:rPr lang="en-US" sz="3600" b="1" dirty="0">
+              <a:rPr lang="en-US" sz="4000" b="1" dirty="0">
                 <a:solidFill>
                   <a:schemeClr val="lt1"/>
                 </a:solidFill>
               </a:rPr>
-              <a:t>Heav’n and earth are filled with glory</a:t>
+              <a:t>Earth and </a:t>
+            </a:r>
+            <a:r>
+              <a:rPr lang="en-US" sz="4000" b="1" dirty="0" err="1">
+                <a:solidFill>
+                  <a:schemeClr val="lt1"/>
+                </a:solidFill>
+              </a:rPr>
+              <a:t>heav’n</a:t>
+            </a:r>
+            <a:r>
+              <a:rPr lang="en-US" sz="4000" b="1" dirty="0">
+                <a:solidFill>
+                  <a:schemeClr val="lt1"/>
+                </a:solidFill>
+              </a:rPr>
+              <a:t> are filled with glory</a:t>
             </a:r>
           </a:p>
           <a:p>
@@ -15556,12 +15572,12 @@
               <a:buNone/>
             </a:pPr>
             <a:r>
-              <a:rPr lang="en-US" sz="3600" b="1" dirty="0">
+              <a:rPr lang="en-US" sz="4000" b="1" dirty="0">
                 <a:solidFill>
                   <a:schemeClr val="lt1"/>
                 </a:solidFill>
               </a:rPr>
-              <a:t>Sing hosanna in the highest</a:t>
+              <a:t>Hosanna, hosanna in the highest</a:t>
             </a:r>
           </a:p>
           <a:p>
@@ -15578,7 +15594,7 @@
               <a:buSzPts val="2000"/>
               <a:buNone/>
             </a:pPr>
-            <a:endParaRPr lang="en-US" sz="3600" b="1" dirty="0">
+            <a:endParaRPr lang="en-US" sz="4000" b="1" dirty="0">
               <a:solidFill>
                 <a:schemeClr val="lt1"/>
               </a:solidFill>
@@ -15599,7 +15615,7 @@
               <a:buNone/>
             </a:pPr>
             <a:r>
-              <a:rPr lang="en-US" sz="3600" b="1" dirty="0">
+              <a:rPr lang="en-US" sz="4000" b="1" dirty="0">
                 <a:solidFill>
                   <a:schemeClr val="lt1"/>
                 </a:solidFill>
@@ -15622,7 +15638,7 @@
               <a:buNone/>
             </a:pPr>
             <a:r>
-              <a:rPr lang="en-US" sz="3600" b="1" dirty="0">
+              <a:rPr lang="en-US" sz="4000" b="1" dirty="0">
                 <a:solidFill>
                   <a:schemeClr val="lt1"/>
                 </a:solidFill>
@@ -15645,22 +15661,19 @@
               <a:buNone/>
             </a:pPr>
             <a:r>
-              <a:rPr lang="en-US" sz="3600" b="1" dirty="0">
+              <a:rPr lang="en-US" sz="4000" b="1" dirty="0">
                 <a:solidFill>
                   <a:schemeClr val="lt1"/>
                 </a:solidFill>
               </a:rPr>
-              <a:t>Sing hosanna in the highest,</a:t>
+              <a:t>Hosanna, hosanna in the highest</a:t>
             </a:r>
           </a:p>
           <a:p>
-            <a:pPr marL="114300" lvl="0" indent="0" algn="l" rtl="0">
-              <a:spcBef>
-                <a:spcPts val="0"/>
-              </a:spcBef>
-              <a:spcAft>
-                <a:spcPts val="0"/>
-              </a:spcAft>
+            <a:pPr marL="114300" indent="0">
+              <a:spcBef>
+                <a:spcPts val="0"/>
+              </a:spcBef>
               <a:buClr>
                 <a:srgbClr val="00FF00"/>
               </a:buClr>
@@ -15668,13 +15681,26 @@
               <a:buNone/>
             </a:pPr>
             <a:r>
-              <a:rPr lang="en-US" sz="3600" b="1" dirty="0">
+              <a:rPr lang="en-US" sz="4000" b="1" dirty="0">
                 <a:solidFill>
                   <a:schemeClr val="lt1"/>
                 </a:solidFill>
               </a:rPr>
-              <a:t>Sing hosanna in the highest</a:t>
+              <a:t>Hosanna, hosanna in </a:t>
             </a:r>
+            <a:r>
+              <a:rPr lang="en-US" sz="4000" b="1">
+                <a:solidFill>
+                  <a:schemeClr val="lt1"/>
+                </a:solidFill>
+              </a:rPr>
+              <a:t>the highest</a:t>
+            </a:r>
+            <a:endParaRPr lang="en-US" sz="4000" b="1" dirty="0">
+              <a:solidFill>
+                <a:schemeClr val="lt1"/>
+              </a:solidFill>
+            </a:endParaRPr>
           </a:p>
         </p:txBody>
       </p:sp>

--- a/database/slides/HOLY_(MASS_OF_PEACE).pptx
+++ b/database/slides/HOLY_(MASS_OF_PEACE).pptx
@@ -15620,7 +15620,7 @@
                   <a:schemeClr val="lt1"/>
                 </a:solidFill>
               </a:rPr>
-              <a:t>Blessed is the one who comes in the </a:t>
+              <a:t>Blessed is the one who comes </a:t>
             </a:r>
           </a:p>
           <a:p>
@@ -15637,13 +15637,21 @@
               <a:buSzPts val="2000"/>
               <a:buNone/>
             </a:pPr>
+            <a:r>
+              <a:rPr lang="en-US" sz="4000" b="1">
+                <a:solidFill>
+                  <a:schemeClr val="lt1"/>
+                </a:solidFill>
+              </a:rPr>
+              <a:t>in the name </a:t>
+            </a:r>
             <a:r>
               <a:rPr lang="en-US" sz="4000" b="1" dirty="0">
                 <a:solidFill>
                   <a:schemeClr val="lt1"/>
                 </a:solidFill>
               </a:rPr>
-              <a:t>name of the Lord</a:t>
+              <a:t>of the Lord</a:t>
             </a:r>
           </a:p>
           <a:p>
@@ -15686,21 +15694,8 @@
                   <a:schemeClr val="lt1"/>
                 </a:solidFill>
               </a:rPr>
-              <a:t>Hosanna, hosanna in </a:t>
+              <a:t>Hosanna, hosanna in the highest</a:t>
             </a:r>
-            <a:r>
-              <a:rPr lang="en-US" sz="4000" b="1">
-                <a:solidFill>
-                  <a:schemeClr val="lt1"/>
-                </a:solidFill>
-              </a:rPr>
-              <a:t>the highest</a:t>
-            </a:r>
-            <a:endParaRPr lang="en-US" sz="4000" b="1" dirty="0">
-              <a:solidFill>
-                <a:schemeClr val="lt1"/>
-              </a:solidFill>
-            </a:endParaRPr>
           </a:p>
         </p:txBody>
       </p:sp>
